--- a/vuejs/LIFE CYCLE HOOKS.pptx
+++ b/vuejs/LIFE CYCLE HOOKS.pptx
@@ -9,6 +9,7 @@
     <p:sldId id="257" r:id="rId3"/>
     <p:sldId id="258" r:id="rId4"/>
     <p:sldId id="259" r:id="rId5"/>
+    <p:sldId id="260" r:id="rId6"/>
   </p:sldIdLst>
   <p:sldSz cx="12192000" cy="6858000"/>
   <p:notesSz cx="6858000" cy="9144000"/>
@@ -107,6 +108,11 @@
       </a:defRPr>
     </a:lvl9pPr>
   </p:defaultTextStyle>
+  <p:extLst>
+    <p:ext uri="{EFAFB233-063F-42B5-8137-9DF3F51BA10A}">
+      <p15:sldGuideLst xmlns:p15="http://schemas.microsoft.com/office/powerpoint/2012/main"/>
+    </p:ext>
+  </p:extLst>
 </p:presentation>
 </file>
 
@@ -241,7 +247,7 @@
           <a:p>
             <a:fld id="{E0041A39-6909-4CB6-B3B4-2DC9791B2032}" type="datetimeFigureOut">
               <a:rPr lang="en-US" smtClean="0"/>
-              <a:t>04-Oct-21</a:t>
+              <a:t>13-Oct-21</a:t>
             </a:fld>
             <a:endParaRPr lang="en-US"/>
           </a:p>
@@ -411,7 +417,7 @@
           <a:p>
             <a:fld id="{E0041A39-6909-4CB6-B3B4-2DC9791B2032}" type="datetimeFigureOut">
               <a:rPr lang="en-US" smtClean="0"/>
-              <a:t>04-Oct-21</a:t>
+              <a:t>13-Oct-21</a:t>
             </a:fld>
             <a:endParaRPr lang="en-US"/>
           </a:p>
@@ -591,7 +597,7 @@
           <a:p>
             <a:fld id="{E0041A39-6909-4CB6-B3B4-2DC9791B2032}" type="datetimeFigureOut">
               <a:rPr lang="en-US" smtClean="0"/>
-              <a:t>04-Oct-21</a:t>
+              <a:t>13-Oct-21</a:t>
             </a:fld>
             <a:endParaRPr lang="en-US"/>
           </a:p>
@@ -761,7 +767,7 @@
           <a:p>
             <a:fld id="{E0041A39-6909-4CB6-B3B4-2DC9791B2032}" type="datetimeFigureOut">
               <a:rPr lang="en-US" smtClean="0"/>
-              <a:t>04-Oct-21</a:t>
+              <a:t>13-Oct-21</a:t>
             </a:fld>
             <a:endParaRPr lang="en-US"/>
           </a:p>
@@ -1007,7 +1013,7 @@
           <a:p>
             <a:fld id="{E0041A39-6909-4CB6-B3B4-2DC9791B2032}" type="datetimeFigureOut">
               <a:rPr lang="en-US" smtClean="0"/>
-              <a:t>04-Oct-21</a:t>
+              <a:t>13-Oct-21</a:t>
             </a:fld>
             <a:endParaRPr lang="en-US"/>
           </a:p>
@@ -1239,7 +1245,7 @@
           <a:p>
             <a:fld id="{E0041A39-6909-4CB6-B3B4-2DC9791B2032}" type="datetimeFigureOut">
               <a:rPr lang="en-US" smtClean="0"/>
-              <a:t>04-Oct-21</a:t>
+              <a:t>13-Oct-21</a:t>
             </a:fld>
             <a:endParaRPr lang="en-US"/>
           </a:p>
@@ -1606,7 +1612,7 @@
           <a:p>
             <a:fld id="{E0041A39-6909-4CB6-B3B4-2DC9791B2032}" type="datetimeFigureOut">
               <a:rPr lang="en-US" smtClean="0"/>
-              <a:t>04-Oct-21</a:t>
+              <a:t>13-Oct-21</a:t>
             </a:fld>
             <a:endParaRPr lang="en-US"/>
           </a:p>
@@ -1724,7 +1730,7 @@
           <a:p>
             <a:fld id="{E0041A39-6909-4CB6-B3B4-2DC9791B2032}" type="datetimeFigureOut">
               <a:rPr lang="en-US" smtClean="0"/>
-              <a:t>04-Oct-21</a:t>
+              <a:t>13-Oct-21</a:t>
             </a:fld>
             <a:endParaRPr lang="en-US"/>
           </a:p>
@@ -1819,7 +1825,7 @@
           <a:p>
             <a:fld id="{E0041A39-6909-4CB6-B3B4-2DC9791B2032}" type="datetimeFigureOut">
               <a:rPr lang="en-US" smtClean="0"/>
-              <a:t>04-Oct-21</a:t>
+              <a:t>13-Oct-21</a:t>
             </a:fld>
             <a:endParaRPr lang="en-US"/>
           </a:p>
@@ -2096,7 +2102,7 @@
           <a:p>
             <a:fld id="{E0041A39-6909-4CB6-B3B4-2DC9791B2032}" type="datetimeFigureOut">
               <a:rPr lang="en-US" smtClean="0"/>
-              <a:t>04-Oct-21</a:t>
+              <a:t>13-Oct-21</a:t>
             </a:fld>
             <a:endParaRPr lang="en-US"/>
           </a:p>
@@ -2349,7 +2355,7 @@
           <a:p>
             <a:fld id="{E0041A39-6909-4CB6-B3B4-2DC9791B2032}" type="datetimeFigureOut">
               <a:rPr lang="en-US" smtClean="0"/>
-              <a:t>04-Oct-21</a:t>
+              <a:t>13-Oct-21</a:t>
             </a:fld>
             <a:endParaRPr lang="en-US"/>
           </a:p>
@@ -2562,7 +2568,7 @@
           <a:p>
             <a:fld id="{E0041A39-6909-4CB6-B3B4-2DC9791B2032}" type="datetimeFigureOut">
               <a:rPr lang="en-US" smtClean="0"/>
-              <a:t>04-Oct-21</a:t>
+              <a:t>13-Oct-21</a:t>
             </a:fld>
             <a:endParaRPr lang="en-US"/>
           </a:p>
@@ -4278,8 +4284,8 @@
         </p:nvSpPr>
         <p:spPr>
           <a:xfrm>
-            <a:off x="6096000" y="1564105"/>
-            <a:ext cx="5723020" cy="1758971"/>
+            <a:off x="926757" y="1591616"/>
+            <a:ext cx="9508306" cy="1758971"/>
           </a:xfrm>
           <a:prstGeom prst="rect">
             <a:avLst/>
@@ -4315,49 +4321,6 @@
       </p:sp>
       <p:sp>
         <p:nvSpPr>
-          <p:cNvPr id="7" name="Rectangle 6"/>
-          <p:cNvSpPr/>
-          <p:nvPr/>
-        </p:nvSpPr>
-        <p:spPr>
-          <a:xfrm>
-            <a:off x="359281" y="1609840"/>
-            <a:ext cx="5686246" cy="1503945"/>
-          </a:xfrm>
-          <a:prstGeom prst="rect">
-            <a:avLst/>
-          </a:prstGeom>
-          <a:solidFill>
-            <a:srgbClr val="FF0000"/>
-          </a:solidFill>
-        </p:spPr>
-        <p:style>
-          <a:lnRef idx="2">
-            <a:schemeClr val="accent1">
-              <a:shade val="50000"/>
-            </a:schemeClr>
-          </a:lnRef>
-          <a:fillRef idx="1">
-            <a:schemeClr val="accent1"/>
-          </a:fillRef>
-          <a:effectRef idx="0">
-            <a:schemeClr val="accent1"/>
-          </a:effectRef>
-          <a:fontRef idx="minor">
-            <a:schemeClr val="lt1"/>
-          </a:fontRef>
-        </p:style>
-        <p:txBody>
-          <a:bodyPr rtlCol="0" anchor="ctr"/>
-          <a:lstStyle/>
-          <a:p>
-            <a:pPr algn="ctr"/>
-            <a:endParaRPr lang="en-US"/>
-          </a:p>
-        </p:txBody>
-      </p:sp>
-      <p:sp>
-        <p:nvSpPr>
           <p:cNvPr id="8" name="Subtitle 2"/>
           <p:cNvSpPr txBox="1">
             <a:spLocks/>
@@ -4366,7 +4329,7 @@
         </p:nvSpPr>
         <p:spPr>
           <a:xfrm>
-            <a:off x="1669821" y="1899955"/>
+            <a:off x="2745184" y="2090953"/>
             <a:ext cx="10257484" cy="1259634"/>
           </a:xfrm>
           <a:prstGeom prst="rect">
@@ -4548,16 +4511,6 @@
             <a:r>
               <a:rPr lang="en-US" sz="6600" dirty="0" smtClean="0">
                 <a:solidFill>
-                  <a:schemeClr val="bg1"/>
-                </a:solidFill>
-                <a:latin typeface="Courier New" panose="02070309020205020404" pitchFamily="49" charset="0"/>
-                <a:cs typeface="Courier New" panose="02070309020205020404" pitchFamily="49" charset="0"/>
-              </a:rPr>
-              <a:t>ANGULAR </a:t>
-            </a:r>
-            <a:r>
-              <a:rPr lang="en-US" sz="6600" dirty="0" smtClean="0">
-                <a:solidFill>
                   <a:srgbClr val="92D050"/>
                 </a:solidFill>
                 <a:latin typeface="Courier New" panose="02070309020205020404" pitchFamily="49" charset="0"/>
@@ -4587,91 +4540,14 @@
       </p:sp>
       <p:sp>
         <p:nvSpPr>
-          <p:cNvPr id="9" name="TextBox 8"/>
-          <p:cNvSpPr txBox="1"/>
-          <p:nvPr/>
-        </p:nvSpPr>
-        <p:spPr>
-          <a:xfrm>
-            <a:off x="359281" y="3084726"/>
-            <a:ext cx="5686247" cy="2862322"/>
-          </a:xfrm>
-          <a:prstGeom prst="rect">
-            <a:avLst/>
-          </a:prstGeom>
-          <a:solidFill>
-            <a:srgbClr val="FF0000"/>
-          </a:solidFill>
-        </p:spPr>
-        <p:txBody>
-          <a:bodyPr wrap="square" rtlCol="0">
-            <a:spAutoFit/>
-          </a:bodyPr>
-          <a:lstStyle/>
-          <a:p>
-            <a:pPr marL="857250" indent="-857250">
-              <a:buFont typeface="Wingdings" panose="05000000000000000000" pitchFamily="2" charset="2"/>
-              <a:buChar char="Ø"/>
-            </a:pPr>
-            <a:endParaRPr lang="en-US" sz="6000" dirty="0" smtClean="0">
-              <a:solidFill>
-                <a:schemeClr val="bg1"/>
-              </a:solidFill>
-            </a:endParaRPr>
-          </a:p>
-          <a:p>
-            <a:pPr marL="857250" indent="-857250">
-              <a:buFont typeface="Wingdings" panose="05000000000000000000" pitchFamily="2" charset="2"/>
-              <a:buChar char="Ø"/>
-            </a:pPr>
-            <a:r>
-              <a:rPr lang="en-US" sz="6000" dirty="0" err="1" smtClean="0">
-                <a:solidFill>
-                  <a:schemeClr val="bg1"/>
-                </a:solidFill>
-              </a:rPr>
-              <a:t>NgOnInit</a:t>
-            </a:r>
-            <a:r>
-              <a:rPr lang="en-US" sz="6000" dirty="0" smtClean="0">
-                <a:solidFill>
-                  <a:schemeClr val="bg1"/>
-                </a:solidFill>
-              </a:rPr>
-              <a:t>()</a:t>
-            </a:r>
-          </a:p>
-          <a:p>
-            <a:pPr marL="857250" indent="-857250">
-              <a:buFont typeface="Wingdings" panose="05000000000000000000" pitchFamily="2" charset="2"/>
-              <a:buChar char="Ø"/>
-            </a:pPr>
-            <a:r>
-              <a:rPr lang="en-US" sz="6000" dirty="0" smtClean="0">
-                <a:solidFill>
-                  <a:schemeClr val="bg1"/>
-                </a:solidFill>
-              </a:rPr>
-              <a:t>Constructor()</a:t>
-            </a:r>
-            <a:endParaRPr lang="en-US" sz="6000" dirty="0">
-              <a:solidFill>
-                <a:schemeClr val="bg1"/>
-              </a:solidFill>
-            </a:endParaRPr>
-          </a:p>
-        </p:txBody>
-      </p:sp>
-      <p:sp>
-        <p:nvSpPr>
           <p:cNvPr id="10" name="TextBox 9"/>
           <p:cNvSpPr txBox="1"/>
           <p:nvPr/>
         </p:nvSpPr>
         <p:spPr>
           <a:xfrm>
-            <a:off x="6096000" y="3323076"/>
-            <a:ext cx="5723020" cy="2623972"/>
+            <a:off x="926757" y="3389563"/>
+            <a:ext cx="9508306" cy="2623972"/>
           </a:xfrm>
           <a:prstGeom prst="rect">
             <a:avLst/>
@@ -4778,30 +4654,6 @@
       </p:grpSpPr>
       <p:sp>
         <p:nvSpPr>
-          <p:cNvPr id="2" name="Title 1"/>
-          <p:cNvSpPr>
-            <a:spLocks noGrp="1"/>
-          </p:cNvSpPr>
-          <p:nvPr>
-            <p:ph type="title"/>
-          </p:nvPr>
-        </p:nvSpPr>
-        <p:spPr/>
-        <p:txBody>
-          <a:bodyPr/>
-          <a:lstStyle/>
-          <a:p>
-            <a:pPr algn="ctr"/>
-            <a:r>
-              <a:rPr lang="en-US" dirty="0" smtClean="0"/>
-              <a:t>Deployed</a:t>
-            </a:r>
-            <a:endParaRPr lang="en-US" dirty="0"/>
-          </a:p>
-        </p:txBody>
-      </p:sp>
-      <p:sp>
-        <p:nvSpPr>
           <p:cNvPr id="3" name="Content Placeholder 2"/>
           <p:cNvSpPr>
             <a:spLocks noGrp="1"/>
@@ -4812,8 +4664,8 @@
         </p:nvSpPr>
         <p:spPr>
           <a:xfrm>
-            <a:off x="6853990" y="2270793"/>
-            <a:ext cx="5181600" cy="4351338"/>
+            <a:off x="1632283" y="1127792"/>
+            <a:ext cx="7607970" cy="4587207"/>
           </a:xfrm>
         </p:spPr>
         <p:txBody>
@@ -4973,76 +4825,6 @@
               <a:latin typeface="Courier New" panose="02070309020205020404" pitchFamily="49" charset="0"/>
               <a:cs typeface="Courier New" panose="02070309020205020404" pitchFamily="49" charset="0"/>
             </a:endParaRPr>
-          </a:p>
-        </p:txBody>
-      </p:sp>
-      <p:sp>
-        <p:nvSpPr>
-          <p:cNvPr id="5" name="TextBox 4"/>
-          <p:cNvSpPr txBox="1"/>
-          <p:nvPr/>
-        </p:nvSpPr>
-        <p:spPr>
-          <a:xfrm>
-            <a:off x="733926" y="2394284"/>
-            <a:ext cx="5362074" cy="1477328"/>
-          </a:xfrm>
-          <a:prstGeom prst="rect">
-            <a:avLst/>
-          </a:prstGeom>
-          <a:noFill/>
-        </p:spPr>
-        <p:txBody>
-          <a:bodyPr wrap="square" rtlCol="0">
-            <a:spAutoFit/>
-          </a:bodyPr>
-          <a:lstStyle/>
-          <a:p>
-            <a:pPr marL="285750" indent="-285750">
-              <a:buFont typeface="Arial" panose="020B0604020202020204" pitchFamily="34" charset="0"/>
-              <a:buChar char="•"/>
-            </a:pPr>
-            <a:r>
-              <a:rPr lang="en-US" sz="3600" dirty="0" err="1" smtClean="0">
-                <a:latin typeface="Courier New" panose="02070309020205020404" pitchFamily="49" charset="0"/>
-                <a:cs typeface="Courier New" panose="02070309020205020404" pitchFamily="49" charset="0"/>
-              </a:rPr>
-              <a:t>ngDoCheck</a:t>
-            </a:r>
-            <a:r>
-              <a:rPr lang="en-US" sz="3600" dirty="0" smtClean="0">
-                <a:latin typeface="Courier New" panose="02070309020205020404" pitchFamily="49" charset="0"/>
-                <a:cs typeface="Courier New" panose="02070309020205020404" pitchFamily="49" charset="0"/>
-              </a:rPr>
-              <a:t>()</a:t>
-            </a:r>
-          </a:p>
-          <a:p>
-            <a:pPr marL="285750" indent="-285750">
-              <a:buFont typeface="Arial" panose="020B0604020202020204" pitchFamily="34" charset="0"/>
-              <a:buChar char="•"/>
-            </a:pPr>
-            <a:r>
-              <a:rPr lang="en-US" sz="3600" dirty="0" err="1" smtClean="0">
-                <a:latin typeface="Courier New" panose="02070309020205020404" pitchFamily="49" charset="0"/>
-                <a:cs typeface="Courier New" panose="02070309020205020404" pitchFamily="49" charset="0"/>
-              </a:rPr>
-              <a:t>ngOnDestroy</a:t>
-            </a:r>
-            <a:r>
-              <a:rPr lang="en-US" sz="3600" dirty="0" smtClean="0">
-                <a:latin typeface="Courier New" panose="02070309020205020404" pitchFamily="49" charset="0"/>
-                <a:cs typeface="Courier New" panose="02070309020205020404" pitchFamily="49" charset="0"/>
-              </a:rPr>
-              <a:t>()</a:t>
-            </a:r>
-          </a:p>
-          <a:p>
-            <a:pPr marL="285750" indent="-285750">
-              <a:buFont typeface="Arial" panose="020B0604020202020204" pitchFamily="34" charset="0"/>
-              <a:buChar char="•"/>
-            </a:pPr>
-            <a:endParaRPr lang="en-US" dirty="0"/>
           </a:p>
         </p:txBody>
       </p:sp>
@@ -5056,6 +4838,137 @@
   <p:clrMapOvr>
     <a:masterClrMapping/>
   </p:clrMapOvr>
+  <p:timing>
+    <p:tnLst>
+      <p:par>
+        <p:cTn id="1" dur="indefinite" restart="never" nodeType="tmRoot"/>
+      </p:par>
+    </p:tnLst>
+  </p:timing>
+</p:sld>
+</file>
+
+<file path=ppt/slides/slide5.xml><?xml version="1.0" encoding="utf-8"?>
+<p:sld xmlns:a="http://schemas.openxmlformats.org/drawingml/2006/main" xmlns:r="http://schemas.openxmlformats.org/officeDocument/2006/relationships" xmlns:p="http://schemas.openxmlformats.org/presentationml/2006/main">
+  <p:cSld>
+    <p:spTree>
+      <p:nvGrpSpPr>
+        <p:cNvPr id="1" name=""/>
+        <p:cNvGrpSpPr/>
+        <p:nvPr/>
+      </p:nvGrpSpPr>
+      <p:grpSpPr>
+        <a:xfrm>
+          <a:off x="0" y="0"/>
+          <a:ext cx="0" cy="0"/>
+          <a:chOff x="0" y="0"/>
+          <a:chExt cx="0" cy="0"/>
+        </a:xfrm>
+      </p:grpSpPr>
+      <p:sp>
+        <p:nvSpPr>
+          <p:cNvPr id="4" name="Rectangle 3"/>
+          <p:cNvSpPr/>
+          <p:nvPr/>
+        </p:nvSpPr>
+        <p:spPr>
+          <a:xfrm>
+            <a:off x="0" y="0"/>
+            <a:ext cx="12192000" cy="6858000"/>
+          </a:xfrm>
+          <a:prstGeom prst="rect">
+            <a:avLst/>
+          </a:prstGeom>
+          <a:solidFill>
+            <a:schemeClr val="accent5">
+              <a:lumMod val="50000"/>
+            </a:schemeClr>
+          </a:solidFill>
+        </p:spPr>
+        <p:style>
+          <a:lnRef idx="2">
+            <a:schemeClr val="accent1">
+              <a:shade val="50000"/>
+            </a:schemeClr>
+          </a:lnRef>
+          <a:fillRef idx="1">
+            <a:schemeClr val="accent1"/>
+          </a:fillRef>
+          <a:effectRef idx="0">
+            <a:schemeClr val="accent1"/>
+          </a:effectRef>
+          <a:fontRef idx="minor">
+            <a:schemeClr val="lt1"/>
+          </a:fontRef>
+        </p:style>
+        <p:txBody>
+          <a:bodyPr rtlCol="0" anchor="ctr"/>
+          <a:lstStyle/>
+          <a:p>
+            <a:pPr algn="ctr"/>
+            <a:endParaRPr lang="en-US"/>
+          </a:p>
+        </p:txBody>
+      </p:sp>
+      <p:sp>
+        <p:nvSpPr>
+          <p:cNvPr id="2" name="Title 1"/>
+          <p:cNvSpPr>
+            <a:spLocks noGrp="1"/>
+          </p:cNvSpPr>
+          <p:nvPr>
+            <p:ph type="ctrTitle"/>
+          </p:nvPr>
+        </p:nvSpPr>
+        <p:spPr>
+          <a:xfrm>
+            <a:off x="994611" y="2803356"/>
+            <a:ext cx="9144000" cy="1175837"/>
+          </a:xfrm>
+        </p:spPr>
+        <p:txBody>
+          <a:bodyPr>
+            <a:normAutofit fontScale="90000"/>
+          </a:bodyPr>
+          <a:lstStyle/>
+          <a:p>
+            <a:r>
+              <a:rPr lang="en-US" sz="8000" dirty="0" smtClean="0">
+                <a:solidFill>
+                  <a:schemeClr val="bg1"/>
+                </a:solidFill>
+                <a:latin typeface="Verdana" panose="020B0604030504040204" pitchFamily="34" charset="0"/>
+                <a:ea typeface="Verdana" panose="020B0604030504040204" pitchFamily="34" charset="0"/>
+              </a:rPr>
+              <a:t>AXIOS</a:t>
+            </a:r>
+            <a:endParaRPr lang="en-US" sz="8000" dirty="0">
+              <a:solidFill>
+                <a:schemeClr val="bg1"/>
+              </a:solidFill>
+              <a:latin typeface="Verdana" panose="020B0604030504040204" pitchFamily="34" charset="0"/>
+              <a:ea typeface="Verdana" panose="020B0604030504040204" pitchFamily="34" charset="0"/>
+            </a:endParaRPr>
+          </a:p>
+        </p:txBody>
+      </p:sp>
+    </p:spTree>
+    <p:extLst>
+      <p:ext uri="{BB962C8B-B14F-4D97-AF65-F5344CB8AC3E}">
+        <p14:creationId xmlns:p14="http://schemas.microsoft.com/office/powerpoint/2010/main" val="2934984750"/>
+      </p:ext>
+    </p:extLst>
+  </p:cSld>
+  <p:clrMapOvr>
+    <a:masterClrMapping/>
+  </p:clrMapOvr>
+  <p:timing>
+    <p:tnLst>
+      <p:par>
+        <p:cTn id="1" dur="indefinite" restart="never" nodeType="tmRoot"/>
+      </p:par>
+    </p:tnLst>
+  </p:timing>
 </p:sld>
 </file>
 
